--- a/CS4273-Introduce to Software Engineering/Slides/Lab 6. Evaluation.pptx
+++ b/CS4273-Introduce to Software Engineering/Slides/Lab 6. Evaluation.pptx
@@ -205,7 +205,7 @@
           <a:p>
             <a:fld id="{7D328978-B58C-4BBD-819A-F74468E344CC}" type="datetimeFigureOut">
               <a:rPr lang="vi-VN" smtClean="0"/>
-              <a:t>22/11/2021</a:t>
+              <a:t>24/11/2022</a:t>
             </a:fld>
             <a:endParaRPr lang="vi-VN"/>
           </a:p>
@@ -619,7 +619,7 @@
           <a:p>
             <a:fld id="{9EB4240C-D316-421A-95A6-D68692130039}" type="datetime1">
               <a:rPr lang="vi-VN" smtClean="0"/>
-              <a:t>22/11/2021</a:t>
+              <a:t>24/11/2022</a:t>
             </a:fld>
             <a:endParaRPr lang="vi-VN"/>
           </a:p>
@@ -817,7 +817,7 @@
           <a:p>
             <a:fld id="{3A757833-6143-47A6-8391-AC62F8873B5B}" type="datetime1">
               <a:rPr lang="vi-VN" smtClean="0"/>
-              <a:t>22/11/2021</a:t>
+              <a:t>24/11/2022</a:t>
             </a:fld>
             <a:endParaRPr lang="vi-VN"/>
           </a:p>
@@ -1025,7 +1025,7 @@
           <a:p>
             <a:fld id="{66741D92-E4C9-4BFB-BF27-98BAF495C019}" type="datetime1">
               <a:rPr lang="vi-VN" smtClean="0"/>
-              <a:t>22/11/2021</a:t>
+              <a:t>24/11/2022</a:t>
             </a:fld>
             <a:endParaRPr lang="vi-VN"/>
           </a:p>
@@ -1223,7 +1223,7 @@
           <a:p>
             <a:fld id="{D1AE08A6-EA95-486F-91D4-82559F68EEF4}" type="datetime1">
               <a:rPr lang="vi-VN" smtClean="0"/>
-              <a:t>22/11/2021</a:t>
+              <a:t>24/11/2022</a:t>
             </a:fld>
             <a:endParaRPr lang="vi-VN"/>
           </a:p>
@@ -1498,7 +1498,7 @@
           <a:p>
             <a:fld id="{DFBDB4AE-8E28-4279-A0F5-61A0E8B2C484}" type="datetime1">
               <a:rPr lang="vi-VN" smtClean="0"/>
-              <a:t>22/11/2021</a:t>
+              <a:t>24/11/2022</a:t>
             </a:fld>
             <a:endParaRPr lang="vi-VN"/>
           </a:p>
@@ -1763,7 +1763,7 @@
           <a:p>
             <a:fld id="{3020123C-6072-4AB6-841F-B41A8698B30F}" type="datetime1">
               <a:rPr lang="vi-VN" smtClean="0"/>
-              <a:t>22/11/2021</a:t>
+              <a:t>24/11/2022</a:t>
             </a:fld>
             <a:endParaRPr lang="vi-VN"/>
           </a:p>
@@ -2175,7 +2175,7 @@
           <a:p>
             <a:fld id="{ACA81DC6-AFE5-4941-8611-3F634386FD6B}" type="datetime1">
               <a:rPr lang="vi-VN" smtClean="0"/>
-              <a:t>22/11/2021</a:t>
+              <a:t>24/11/2022</a:t>
             </a:fld>
             <a:endParaRPr lang="vi-VN"/>
           </a:p>
@@ -2316,7 +2316,7 @@
           <a:p>
             <a:fld id="{AB4E2344-276B-4644-A36C-D16C4E29F80E}" type="datetime1">
               <a:rPr lang="vi-VN" smtClean="0"/>
-              <a:t>22/11/2021</a:t>
+              <a:t>24/11/2022</a:t>
             </a:fld>
             <a:endParaRPr lang="vi-VN"/>
           </a:p>
@@ -2429,7 +2429,7 @@
           <a:p>
             <a:fld id="{25659324-44EE-4389-A9E7-B25DBB192979}" type="datetime1">
               <a:rPr lang="vi-VN" smtClean="0"/>
-              <a:t>22/11/2021</a:t>
+              <a:t>24/11/2022</a:t>
             </a:fld>
             <a:endParaRPr lang="vi-VN"/>
           </a:p>
@@ -2740,7 +2740,7 @@
           <a:p>
             <a:fld id="{52D7370F-324C-4486-8704-C439E7309B3C}" type="datetime1">
               <a:rPr lang="vi-VN" smtClean="0"/>
-              <a:t>22/11/2021</a:t>
+              <a:t>24/11/2022</a:t>
             </a:fld>
             <a:endParaRPr lang="vi-VN"/>
           </a:p>
@@ -3028,7 +3028,7 @@
           <a:p>
             <a:fld id="{76237AEF-95AA-4845-BBD6-D1A9738C01FF}" type="datetime1">
               <a:rPr lang="vi-VN" smtClean="0"/>
-              <a:t>22/11/2021</a:t>
+              <a:t>24/11/2022</a:t>
             </a:fld>
             <a:endParaRPr lang="vi-VN"/>
           </a:p>
@@ -3269,7 +3269,7 @@
           <a:p>
             <a:fld id="{2575FCB3-0B78-4E4D-BBFD-D8A56DDF9DDA}" type="datetime1">
               <a:rPr lang="vi-VN" smtClean="0"/>
-              <a:t>22/11/2021</a:t>
+              <a:t>24/11/2022</a:t>
             </a:fld>
             <a:endParaRPr lang="vi-VN"/>
           </a:p>
@@ -5415,7 +5415,7 @@
             </a:pPr>
             <a:r>
               <a:rPr lang="en-US"/>
-              <a:t>2. Code: demo some functions</a:t>
+              <a:t>2. Demo: prototype (design file on Figma) + code (bonus point)</a:t>
             </a:r>
           </a:p>
         </p:txBody>
@@ -5701,70 +5701,7 @@
             </a:pPr>
             <a:r>
               <a:rPr lang="en-US"/>
-              <a:t>29/11: </a:t>
-            </a:r>
-          </a:p>
-          <a:p>
-            <a:pPr marL="0" indent="0">
-              <a:buNone/>
-            </a:pPr>
-            <a:r>
-              <a:rPr lang="en-US"/>
-              <a:t>.1: 7:30 =&gt; 9:30 or (1:00 =&gt; 3:00)</a:t>
-            </a:r>
-          </a:p>
-          <a:p>
-            <a:pPr marL="0" indent="0">
-              <a:buNone/>
-            </a:pPr>
-            <a:r>
-              <a:rPr lang="en-US"/>
-              <a:t>.2: 9:30 =&gt; 11:30 or (3:00 =&gt; 5:00)</a:t>
-            </a:r>
-          </a:p>
-          <a:p>
-            <a:pPr marL="0" indent="0">
-              <a:buNone/>
-            </a:pPr>
-            <a:r>
-              <a:rPr lang="en-US"/>
-              <a:t>- Answer all problems about coding</a:t>
-            </a:r>
-          </a:p>
-          <a:p>
-            <a:pPr marL="0" indent="0">
-              <a:buNone/>
-            </a:pPr>
-            <a:r>
-              <a:rPr lang="en-US"/>
-              <a:t>- Some groups can present soon</a:t>
-            </a:r>
-          </a:p>
-          <a:p>
-            <a:pPr marL="0" indent="0">
-              <a:buNone/>
-            </a:pPr>
-            <a:r>
-              <a:rPr lang="en-US"/>
-              <a:t>6/12: </a:t>
-            </a:r>
-          </a:p>
-          <a:p>
-            <a:pPr marL="0" indent="0">
-              <a:buNone/>
-            </a:pPr>
-            <a:r>
-              <a:rPr lang="en-US"/>
-              <a:t>- All other groups will present</a:t>
-            </a:r>
-          </a:p>
-          <a:p>
-            <a:pPr marL="0" indent="0">
-              <a:buNone/>
-            </a:pPr>
-            <a:r>
-              <a:rPr lang="en-US"/>
-              <a:t>Deadline submit: 13h00 6/12</a:t>
+              <a:t>8/12: 8:00 =&gt; 11:30</a:t>
             </a:r>
           </a:p>
         </p:txBody>
@@ -6048,31 +5985,21 @@
             </a:pPr>
             <a:r>
               <a:rPr lang="en-US"/>
-              <a:t>Reviewers should send cross_review file to: </a:t>
+              <a:t>Reviewers should send cross_review file to: haivt@uit.edu.vn in 1 week from now.</a:t>
+            </a:r>
+          </a:p>
+          <a:p>
+            <a:pPr marL="0" indent="0">
+              <a:buNone/>
+            </a:pPr>
+            <a:r>
+              <a:rPr lang="en-US"/>
+              <a:t>2. Self review (20%): fill the form </a:t>
             </a:r>
             <a:r>
               <a:rPr lang="en-US">
                 <a:hlinkClick r:id="rId2"/>
               </a:rPr>
-              <a:t>17520433@gm.uit.edu.vn</a:t>
-            </a:r>
-            <a:r>
-              <a:rPr lang="en-US"/>
-              <a:t> in 1 week from now.</a:t>
-            </a:r>
-          </a:p>
-          <a:p>
-            <a:pPr marL="0" indent="0">
-              <a:buNone/>
-            </a:pPr>
-            <a:r>
-              <a:rPr lang="en-US"/>
-              <a:t>2. Self review (20%): fill the form </a:t>
-            </a:r>
-            <a:r>
-              <a:rPr lang="en-US">
-                <a:hlinkClick r:id="rId3"/>
-              </a:rPr>
               <a:t>https://forms.gle/pppB5tMZ3v1FBmjC7</a:t>
             </a:r>
             <a:endParaRPr lang="en-US"/>
@@ -6101,14 +6028,8 @@
             </a:pPr>
             <a:r>
               <a:rPr lang="en-US"/>
-              <a:t>- Scores are public at MS Teams</a:t>
-            </a:r>
-          </a:p>
-          <a:p>
-            <a:pPr marL="0" indent="0">
-              <a:buNone/>
-            </a:pPr>
-            <a:endParaRPr lang="en-US"/>
+              <a:t>- Scores are public.</a:t>
+            </a:r>
           </a:p>
           <a:p>
             <a:pPr marL="0" indent="0">
